--- a/BEM+Smarty.pptx
+++ b/BEM+Smarty.pptx
@@ -7,6 +7,11 @@
   <p:sldIdLst>
     <p:sldId id="256" r:id="rId2"/>
     <p:sldId id="257" r:id="rId3"/>
+    <p:sldId id="258" r:id="rId4"/>
+    <p:sldId id="259" r:id="rId5"/>
+    <p:sldId id="260" r:id="rId6"/>
+    <p:sldId id="261" r:id="rId7"/>
+    <p:sldId id="262" r:id="rId8"/>
   </p:sldIdLst>
   <p:sldSz cx="9144000" cy="6858000" type="screen4x3"/>
   <p:notesSz cx="6858000" cy="9144000"/>
@@ -302,7 +307,7 @@
           <a:p>
             <a:fld id="{A4EAE453-98E6-4714-908C-B086B515DF1B}" type="datetimeFigureOut">
               <a:rPr lang="ru-RU" smtClean="0"/>
-              <a:t>08.07.2014</a:t>
+              <a:t>11.07.2014</a:t>
             </a:fld>
             <a:endParaRPr lang="ru-RU"/>
           </a:p>
@@ -467,7 +472,7 @@
           <a:p>
             <a:fld id="{A4EAE453-98E6-4714-908C-B086B515DF1B}" type="datetimeFigureOut">
               <a:rPr lang="ru-RU" smtClean="0"/>
-              <a:t>08.07.2014</a:t>
+              <a:t>11.07.2014</a:t>
             </a:fld>
             <a:endParaRPr lang="ru-RU"/>
           </a:p>
@@ -642,7 +647,7 @@
           <a:p>
             <a:fld id="{A4EAE453-98E6-4714-908C-B086B515DF1B}" type="datetimeFigureOut">
               <a:rPr lang="ru-RU" smtClean="0"/>
-              <a:t>08.07.2014</a:t>
+              <a:t>11.07.2014</a:t>
             </a:fld>
             <a:endParaRPr lang="ru-RU"/>
           </a:p>
@@ -807,7 +812,7 @@
           <a:p>
             <a:fld id="{A4EAE453-98E6-4714-908C-B086B515DF1B}" type="datetimeFigureOut">
               <a:rPr lang="ru-RU" smtClean="0"/>
-              <a:t>08.07.2014</a:t>
+              <a:t>11.07.2014</a:t>
             </a:fld>
             <a:endParaRPr lang="ru-RU"/>
           </a:p>
@@ -1048,7 +1053,7 @@
           <a:p>
             <a:fld id="{A4EAE453-98E6-4714-908C-B086B515DF1B}" type="datetimeFigureOut">
               <a:rPr lang="ru-RU" smtClean="0"/>
-              <a:t>08.07.2014</a:t>
+              <a:t>11.07.2014</a:t>
             </a:fld>
             <a:endParaRPr lang="ru-RU"/>
           </a:p>
@@ -1331,7 +1336,7 @@
           <a:p>
             <a:fld id="{A4EAE453-98E6-4714-908C-B086B515DF1B}" type="datetimeFigureOut">
               <a:rPr lang="ru-RU" smtClean="0"/>
-              <a:t>08.07.2014</a:t>
+              <a:t>11.07.2014</a:t>
             </a:fld>
             <a:endParaRPr lang="ru-RU"/>
           </a:p>
@@ -1760,7 +1765,7 @@
           <a:p>
             <a:fld id="{A4EAE453-98E6-4714-908C-B086B515DF1B}" type="datetimeFigureOut">
               <a:rPr lang="ru-RU" smtClean="0"/>
-              <a:t>08.07.2014</a:t>
+              <a:t>11.07.2014</a:t>
             </a:fld>
             <a:endParaRPr lang="ru-RU"/>
           </a:p>
@@ -1873,7 +1878,7 @@
           <a:p>
             <a:fld id="{A4EAE453-98E6-4714-908C-B086B515DF1B}" type="datetimeFigureOut">
               <a:rPr lang="ru-RU" smtClean="0"/>
-              <a:t>08.07.2014</a:t>
+              <a:t>11.07.2014</a:t>
             </a:fld>
             <a:endParaRPr lang="ru-RU"/>
           </a:p>
@@ -1963,7 +1968,7 @@
           <a:p>
             <a:fld id="{A4EAE453-98E6-4714-908C-B086B515DF1B}" type="datetimeFigureOut">
               <a:rPr lang="ru-RU" smtClean="0"/>
-              <a:t>08.07.2014</a:t>
+              <a:t>11.07.2014</a:t>
             </a:fld>
             <a:endParaRPr lang="ru-RU"/>
           </a:p>
@@ -2152,7 +2157,7 @@
           <a:p>
             <a:fld id="{A4EAE453-98E6-4714-908C-B086B515DF1B}" type="datetimeFigureOut">
               <a:rPr lang="ru-RU" smtClean="0"/>
-              <a:t>08.07.2014</a:t>
+              <a:t>11.07.2014</a:t>
             </a:fld>
             <a:endParaRPr lang="ru-RU"/>
           </a:p>
@@ -2470,7 +2475,7 @@
           <a:p>
             <a:fld id="{A4EAE453-98E6-4714-908C-B086B515DF1B}" type="datetimeFigureOut">
               <a:rPr lang="ru-RU" smtClean="0"/>
-              <a:t>08.07.2014</a:t>
+              <a:t>11.07.2014</a:t>
             </a:fld>
             <a:endParaRPr lang="ru-RU"/>
           </a:p>
@@ -2849,7 +2854,7 @@
           <a:p>
             <a:fld id="{A4EAE453-98E6-4714-908C-B086B515DF1B}" type="datetimeFigureOut">
               <a:rPr lang="ru-RU" smtClean="0"/>
-              <a:t>08.07.2014</a:t>
+              <a:t>11.07.2014</a:t>
             </a:fld>
             <a:endParaRPr lang="ru-RU"/>
           </a:p>
@@ -3274,6 +3279,642 @@
           <a:lstStyle/>
           <a:p>
             <a:r>
+              <a:rPr lang="ru-RU" dirty="0" smtClean="0"/>
+              <a:t>Что такое БЭМ?</a:t>
+            </a:r>
+            <a:endParaRPr lang="ru-RU" dirty="0"/>
+          </a:p>
+        </p:txBody>
+      </p:sp>
+      <p:pic>
+        <p:nvPicPr>
+          <p:cNvPr id="5" name="Объект 4"/>
+          <p:cNvPicPr>
+            <a:picLocks noGrp="1" noChangeAspect="1"/>
+          </p:cNvPicPr>
+          <p:nvPr>
+            <p:ph idx="1"/>
+          </p:nvPr>
+        </p:nvPicPr>
+        <p:blipFill>
+          <a:blip r:embed="rId2">
+            <a:extLst>
+              <a:ext uri="{28A0092B-C50C-407E-A947-70E740481C1C}">
+                <a14:useLocalDpi xmlns:a14="http://schemas.microsoft.com/office/drawing/2010/main" val="0"/>
+              </a:ext>
+            </a:extLst>
+          </a:blip>
+          <a:stretch>
+            <a:fillRect/>
+          </a:stretch>
+        </p:blipFill>
+        <p:spPr>
+          <a:xfrm>
+            <a:off x="703868" y="1600200"/>
+            <a:ext cx="7126663" cy="4800600"/>
+          </a:xfrm>
+        </p:spPr>
+      </p:pic>
+      <p:pic>
+        <p:nvPicPr>
+          <p:cNvPr id="8" name="Рисунок 7"/>
+          <p:cNvPicPr>
+            <a:picLocks noChangeAspect="1"/>
+          </p:cNvPicPr>
+          <p:nvPr/>
+        </p:nvPicPr>
+        <p:blipFill>
+          <a:blip r:embed="rId3">
+            <a:extLst>
+              <a:ext uri="{28A0092B-C50C-407E-A947-70E740481C1C}">
+                <a14:useLocalDpi xmlns:a14="http://schemas.microsoft.com/office/drawing/2010/main" val="0"/>
+              </a:ext>
+            </a:extLst>
+          </a:blip>
+          <a:stretch>
+            <a:fillRect/>
+          </a:stretch>
+        </p:blipFill>
+        <p:spPr>
+          <a:xfrm>
+            <a:off x="703862" y="1596949"/>
+            <a:ext cx="7128000" cy="4793171"/>
+          </a:xfrm>
+          <a:prstGeom prst="rect">
+            <a:avLst/>
+          </a:prstGeom>
+        </p:spPr>
+      </p:pic>
+    </p:spTree>
+    <p:extLst>
+      <p:ext uri="{BB962C8B-B14F-4D97-AF65-F5344CB8AC3E}">
+        <p14:creationId xmlns:p14="http://schemas.microsoft.com/office/powerpoint/2010/main" val="1917969486"/>
+      </p:ext>
+    </p:extLst>
+  </p:cSld>
+  <p:clrMapOvr>
+    <a:masterClrMapping/>
+  </p:clrMapOvr>
+  <p:timing>
+    <p:tnLst>
+      <p:par>
+        <p:cTn id="1" dur="indefinite" restart="never" nodeType="tmRoot">
+          <p:childTnLst>
+            <p:seq concurrent="1" nextAc="seek">
+              <p:cTn id="2" dur="indefinite" nodeType="mainSeq">
+                <p:childTnLst>
+                  <p:par>
+                    <p:cTn id="3" fill="hold">
+                      <p:stCondLst>
+                        <p:cond delay="indefinite"/>
+                      </p:stCondLst>
+                      <p:childTnLst>
+                        <p:par>
+                          <p:cTn id="4" fill="hold">
+                            <p:stCondLst>
+                              <p:cond delay="0"/>
+                            </p:stCondLst>
+                            <p:childTnLst>
+                              <p:par>
+                                <p:cTn id="5" presetID="1" presetClass="entr" presetSubtype="0" fill="hold" nodeType="clickEffect">
+                                  <p:stCondLst>
+                                    <p:cond delay="0"/>
+                                  </p:stCondLst>
+                                  <p:childTnLst>
+                                    <p:set>
+                                      <p:cBhvr>
+                                        <p:cTn id="6" dur="1" fill="hold">
+                                          <p:stCondLst>
+                                            <p:cond delay="0"/>
+                                          </p:stCondLst>
+                                        </p:cTn>
+                                        <p:tgtEl>
+                                          <p:spTgt spid="8"/>
+                                        </p:tgtEl>
+                                        <p:attrNameLst>
+                                          <p:attrName>style.visibility</p:attrName>
+                                        </p:attrNameLst>
+                                      </p:cBhvr>
+                                      <p:to>
+                                        <p:strVal val="visible"/>
+                                      </p:to>
+                                    </p:set>
+                                  </p:childTnLst>
+                                </p:cTn>
+                              </p:par>
+                            </p:childTnLst>
+                          </p:cTn>
+                        </p:par>
+                      </p:childTnLst>
+                    </p:cTn>
+                  </p:par>
+                </p:childTnLst>
+              </p:cTn>
+              <p:prevCondLst>
+                <p:cond evt="onPrev" delay="0">
+                  <p:tgtEl>
+                    <p:sldTgt/>
+                  </p:tgtEl>
+                </p:cond>
+              </p:prevCondLst>
+              <p:nextCondLst>
+                <p:cond evt="onNext" delay="0">
+                  <p:tgtEl>
+                    <p:sldTgt/>
+                  </p:tgtEl>
+                </p:cond>
+              </p:nextCondLst>
+            </p:seq>
+          </p:childTnLst>
+        </p:cTn>
+      </p:par>
+    </p:tnLst>
+  </p:timing>
+</p:sld>
+</file>
+
+<file path=ppt/slides/slide3.xml><?xml version="1.0" encoding="utf-8"?>
+<p:sld xmlns:a="http://schemas.openxmlformats.org/drawingml/2006/main" xmlns:r="http://schemas.openxmlformats.org/officeDocument/2006/relationships" xmlns:p="http://schemas.openxmlformats.org/presentationml/2006/main">
+  <p:cSld>
+    <p:spTree>
+      <p:nvGrpSpPr>
+        <p:cNvPr id="1" name=""/>
+        <p:cNvGrpSpPr/>
+        <p:nvPr/>
+      </p:nvGrpSpPr>
+      <p:grpSpPr>
+        <a:xfrm>
+          <a:off x="0" y="0"/>
+          <a:ext cx="0" cy="0"/>
+          <a:chOff x="0" y="0"/>
+          <a:chExt cx="0" cy="0"/>
+        </a:xfrm>
+      </p:grpSpPr>
+      <p:sp>
+        <p:nvSpPr>
+          <p:cNvPr id="2" name="Заголовок 1"/>
+          <p:cNvSpPr>
+            <a:spLocks noGrp="1"/>
+          </p:cNvSpPr>
+          <p:nvPr>
+            <p:ph type="title"/>
+          </p:nvPr>
+        </p:nvSpPr>
+        <p:spPr/>
+        <p:txBody>
+          <a:bodyPr/>
+          <a:lstStyle/>
+          <a:p>
+            <a:r>
+              <a:rPr lang="ru-RU" dirty="0" smtClean="0"/>
+              <a:t>Зачем это нам?</a:t>
+            </a:r>
+            <a:endParaRPr lang="ru-RU" dirty="0"/>
+          </a:p>
+        </p:txBody>
+      </p:sp>
+      <p:sp>
+        <p:nvSpPr>
+          <p:cNvPr id="3" name="Объект 2"/>
+          <p:cNvSpPr>
+            <a:spLocks noGrp="1"/>
+          </p:cNvSpPr>
+          <p:nvPr>
+            <p:ph idx="1"/>
+          </p:nvPr>
+        </p:nvSpPr>
+        <p:spPr/>
+        <p:txBody>
+          <a:bodyPr/>
+          <a:lstStyle/>
+          <a:p>
+            <a:r>
+              <a:rPr lang="ru-RU" dirty="0" smtClean="0"/>
+              <a:t>Удобная и понятная файловая структура</a:t>
+            </a:r>
+          </a:p>
+          <a:p>
+            <a:r>
+              <a:rPr lang="ru-RU" dirty="0" smtClean="0"/>
+              <a:t>Четкое автоматическое именование классов тэгов</a:t>
+            </a:r>
+          </a:p>
+          <a:p>
+            <a:r>
+              <a:rPr lang="ru-RU" dirty="0"/>
+              <a:t>Единый стиль верстки (</a:t>
+            </a:r>
+            <a:r>
+              <a:rPr lang="en-US" dirty="0" err="1"/>
+              <a:t>codestyle</a:t>
+            </a:r>
+            <a:r>
+              <a:rPr lang="ru-RU" dirty="0" smtClean="0"/>
+              <a:t>)</a:t>
+            </a:r>
+          </a:p>
+          <a:p>
+            <a:r>
+              <a:rPr lang="ru-RU" dirty="0" smtClean="0"/>
+              <a:t>Нет каши из </a:t>
+            </a:r>
+            <a:r>
+              <a:rPr lang="en-US" dirty="0" smtClean="0"/>
+              <a:t>HTML</a:t>
+            </a:r>
+            <a:r>
+              <a:rPr lang="ru-RU" dirty="0" smtClean="0"/>
+              <a:t> и </a:t>
+            </a:r>
+            <a:r>
+              <a:rPr lang="en-US" dirty="0" smtClean="0"/>
+              <a:t>Smarty (</a:t>
+            </a:r>
+            <a:r>
+              <a:rPr lang="ru-RU" dirty="0" err="1" smtClean="0"/>
+              <a:t>легкочитаемый</a:t>
+            </a:r>
+            <a:r>
+              <a:rPr lang="ru-RU" dirty="0" smtClean="0"/>
+              <a:t> код</a:t>
+            </a:r>
+            <a:r>
+              <a:rPr lang="en-US" dirty="0" smtClean="0"/>
+              <a:t>)</a:t>
+            </a:r>
+          </a:p>
+          <a:p>
+            <a:r>
+              <a:rPr lang="ru-RU" dirty="0" smtClean="0"/>
+              <a:t>Нет жесткой привязки </a:t>
+            </a:r>
+            <a:r>
+              <a:rPr lang="ru-RU" dirty="0" err="1" smtClean="0"/>
+              <a:t>фронтенда</a:t>
+            </a:r>
+            <a:r>
+              <a:rPr lang="ru-RU" dirty="0" smtClean="0"/>
+              <a:t> к </a:t>
+            </a:r>
+            <a:r>
+              <a:rPr lang="ru-RU" dirty="0" err="1" smtClean="0"/>
+              <a:t>бэкенду</a:t>
+            </a:r>
+            <a:r>
+              <a:rPr lang="ru-RU" dirty="0" smtClean="0"/>
+              <a:t> </a:t>
+            </a:r>
+          </a:p>
+          <a:p>
+            <a:endParaRPr lang="ru-RU" dirty="0" smtClean="0"/>
+          </a:p>
+          <a:p>
+            <a:endParaRPr lang="ru-RU" dirty="0"/>
+          </a:p>
+        </p:txBody>
+      </p:sp>
+    </p:spTree>
+    <p:extLst>
+      <p:ext uri="{BB962C8B-B14F-4D97-AF65-F5344CB8AC3E}">
+        <p14:creationId xmlns:p14="http://schemas.microsoft.com/office/powerpoint/2010/main" val="296088576"/>
+      </p:ext>
+    </p:extLst>
+  </p:cSld>
+  <p:clrMapOvr>
+    <a:masterClrMapping/>
+  </p:clrMapOvr>
+  <p:timing>
+    <p:tnLst>
+      <p:par>
+        <p:cTn id="1" dur="indefinite" restart="never" nodeType="tmRoot"/>
+      </p:par>
+    </p:tnLst>
+  </p:timing>
+</p:sld>
+</file>
+
+<file path=ppt/slides/slide4.xml><?xml version="1.0" encoding="utf-8"?>
+<p:sld xmlns:a="http://schemas.openxmlformats.org/drawingml/2006/main" xmlns:r="http://schemas.openxmlformats.org/officeDocument/2006/relationships" xmlns:p="http://schemas.openxmlformats.org/presentationml/2006/main">
+  <p:cSld>
+    <p:spTree>
+      <p:nvGrpSpPr>
+        <p:cNvPr id="1" name=""/>
+        <p:cNvGrpSpPr/>
+        <p:nvPr/>
+      </p:nvGrpSpPr>
+      <p:grpSpPr>
+        <a:xfrm>
+          <a:off x="0" y="0"/>
+          <a:ext cx="0" cy="0"/>
+          <a:chOff x="0" y="0"/>
+          <a:chExt cx="0" cy="0"/>
+        </a:xfrm>
+      </p:grpSpPr>
+      <p:sp>
+        <p:nvSpPr>
+          <p:cNvPr id="2" name="Заголовок 1"/>
+          <p:cNvSpPr>
+            <a:spLocks noGrp="1"/>
+          </p:cNvSpPr>
+          <p:nvPr>
+            <p:ph type="title"/>
+          </p:nvPr>
+        </p:nvSpPr>
+        <p:spPr/>
+        <p:txBody>
+          <a:bodyPr/>
+          <a:lstStyle/>
+          <a:p>
+            <a:r>
+              <a:rPr lang="ru-RU" dirty="0" smtClean="0"/>
+              <a:t>Файловая структура</a:t>
+            </a:r>
+            <a:endParaRPr lang="ru-RU" dirty="0"/>
+          </a:p>
+        </p:txBody>
+      </p:sp>
+      <p:sp>
+        <p:nvSpPr>
+          <p:cNvPr id="3" name="Объект 2"/>
+          <p:cNvSpPr>
+            <a:spLocks noGrp="1"/>
+          </p:cNvSpPr>
+          <p:nvPr>
+            <p:ph idx="1"/>
+          </p:nvPr>
+        </p:nvSpPr>
+        <p:spPr/>
+        <p:txBody>
+          <a:bodyPr>
+            <a:normAutofit fontScale="70000" lnSpcReduction="20000"/>
+          </a:bodyPr>
+          <a:lstStyle/>
+          <a:p>
+            <a:pPr defTabSz="360000"/>
+            <a:r>
+              <a:rPr lang="en-US" dirty="0"/>
+              <a:t>www</a:t>
+            </a:r>
+          </a:p>
+          <a:p>
+            <a:pPr lvl="1" defTabSz="360000"/>
+            <a:r>
+              <a:rPr lang="en-US" dirty="0"/>
+              <a:t>	</a:t>
+            </a:r>
+            <a:r>
+              <a:rPr lang="en-US" dirty="0" err="1"/>
+              <a:t>desktop.blocks</a:t>
+            </a:r>
+            <a:endParaRPr lang="en-US" dirty="0"/>
+          </a:p>
+          <a:p>
+            <a:pPr lvl="1" defTabSz="360000"/>
+            <a:r>
+              <a:rPr lang="en-US" dirty="0"/>
+              <a:t>		</a:t>
+            </a:r>
+            <a:r>
+              <a:rPr lang="en-US" dirty="0" err="1"/>
+              <a:t>auth</a:t>
+            </a:r>
+            <a:endParaRPr lang="en-US" dirty="0"/>
+          </a:p>
+          <a:p>
+            <a:pPr lvl="1" defTabSz="360000"/>
+            <a:r>
+              <a:rPr lang="en-US" dirty="0"/>
+              <a:t>		button</a:t>
+            </a:r>
+          </a:p>
+          <a:p>
+            <a:pPr lvl="1" defTabSz="360000"/>
+            <a:r>
+              <a:rPr lang="en-US" dirty="0"/>
+              <a:t>		footer</a:t>
+            </a:r>
+          </a:p>
+          <a:p>
+            <a:pPr lvl="1" defTabSz="360000"/>
+            <a:r>
+              <a:rPr lang="en-US" dirty="0"/>
+              <a:t>		header</a:t>
+            </a:r>
+          </a:p>
+          <a:p>
+            <a:pPr lvl="1" defTabSz="360000"/>
+            <a:r>
+              <a:rPr lang="en-US" dirty="0"/>
+              <a:t>			__logo</a:t>
+            </a:r>
+          </a:p>
+          <a:p>
+            <a:pPr lvl="1" defTabSz="360000"/>
+            <a:r>
+              <a:rPr lang="en-US" dirty="0"/>
+              <a:t>				header__</a:t>
+            </a:r>
+            <a:r>
+              <a:rPr lang="en-US" dirty="0" err="1"/>
+              <a:t>logo.tpl</a:t>
+            </a:r>
+            <a:endParaRPr lang="en-US" dirty="0"/>
+          </a:p>
+          <a:p>
+            <a:pPr lvl="1" defTabSz="360000"/>
+            <a:r>
+              <a:rPr lang="en-US" dirty="0"/>
+              <a:t>			__</a:t>
+            </a:r>
+            <a:r>
+              <a:rPr lang="en-US" dirty="0" err="1"/>
+              <a:t>nav</a:t>
+            </a:r>
+            <a:endParaRPr lang="en-US" dirty="0"/>
+          </a:p>
+          <a:p>
+            <a:pPr lvl="1" defTabSz="360000"/>
+            <a:r>
+              <a:rPr lang="en-US" dirty="0"/>
+              <a:t>				header__</a:t>
+            </a:r>
+            <a:r>
+              <a:rPr lang="en-US" dirty="0" err="1"/>
+              <a:t>nav.tpl</a:t>
+            </a:r>
+            <a:endParaRPr lang="en-US" dirty="0"/>
+          </a:p>
+          <a:p>
+            <a:pPr lvl="1" defTabSz="360000"/>
+            <a:r>
+              <a:rPr lang="en-US" dirty="0"/>
+              <a:t>			_fixed</a:t>
+            </a:r>
+          </a:p>
+          <a:p>
+            <a:pPr lvl="1" defTabSz="360000"/>
+            <a:r>
+              <a:rPr lang="en-US" dirty="0"/>
+              <a:t>			</a:t>
+            </a:r>
+            <a:r>
+              <a:rPr lang="en-US" dirty="0" err="1"/>
+              <a:t>header.deps.json</a:t>
+            </a:r>
+            <a:endParaRPr lang="en-US" dirty="0"/>
+          </a:p>
+          <a:p>
+            <a:pPr lvl="1" defTabSz="360000"/>
+            <a:r>
+              <a:rPr lang="en-US" dirty="0"/>
+              <a:t>			</a:t>
+            </a:r>
+            <a:r>
+              <a:rPr lang="en-US" dirty="0" err="1"/>
+              <a:t>header.styl</a:t>
+            </a:r>
+            <a:endParaRPr lang="en-US" dirty="0"/>
+          </a:p>
+          <a:p>
+            <a:pPr lvl="1" defTabSz="360000"/>
+            <a:r>
+              <a:rPr lang="en-US" dirty="0"/>
+              <a:t>			</a:t>
+            </a:r>
+            <a:r>
+              <a:rPr lang="en-US" dirty="0" err="1"/>
+              <a:t>header.tpl</a:t>
+            </a:r>
+            <a:endParaRPr lang="en-US" dirty="0"/>
+          </a:p>
+          <a:p>
+            <a:pPr lvl="1" defTabSz="360000"/>
+            <a:r>
+              <a:rPr lang="en-US" dirty="0"/>
+              <a:t>		input</a:t>
+            </a:r>
+          </a:p>
+          <a:p>
+            <a:pPr lvl="1" defTabSz="360000"/>
+            <a:r>
+              <a:rPr lang="en-US" dirty="0"/>
+              <a:t>	</a:t>
+            </a:r>
+            <a:r>
+              <a:rPr lang="en-US" dirty="0" err="1"/>
+              <a:t>desktop.bundles</a:t>
+            </a:r>
+            <a:endParaRPr lang="en-US" dirty="0"/>
+          </a:p>
+          <a:p>
+            <a:pPr lvl="1" defTabSz="360000"/>
+            <a:r>
+              <a:rPr lang="en-US" dirty="0"/>
+              <a:t>		index</a:t>
+            </a:r>
+          </a:p>
+          <a:p>
+            <a:pPr lvl="1" defTabSz="360000"/>
+            <a:r>
+              <a:rPr lang="en-US" dirty="0"/>
+              <a:t>			</a:t>
+            </a:r>
+            <a:r>
+              <a:rPr lang="en-US" dirty="0" err="1"/>
+              <a:t>index.deps.json</a:t>
+            </a:r>
+            <a:endParaRPr lang="en-US" dirty="0"/>
+          </a:p>
+          <a:p>
+            <a:pPr lvl="1" defTabSz="360000"/>
+            <a:r>
+              <a:rPr lang="en-US" dirty="0"/>
+              <a:t>			</a:t>
+            </a:r>
+            <a:r>
+              <a:rPr lang="en-US" dirty="0" err="1" smtClean="0"/>
+              <a:t>index.tpl</a:t>
+            </a:r>
+            <a:endParaRPr lang="ru-RU" dirty="0"/>
+          </a:p>
+          <a:p>
+            <a:pPr lvl="1" defTabSz="360000"/>
+            <a:r>
+              <a:rPr lang="ru-RU" dirty="0" smtClean="0"/>
+              <a:t>  </a:t>
+            </a:r>
+            <a:r>
+              <a:rPr lang="en-US" dirty="0" smtClean="0"/>
+              <a:t>static.js</a:t>
+            </a:r>
+          </a:p>
+          <a:p>
+            <a:pPr lvl="1" defTabSz="360000"/>
+            <a:r>
+              <a:rPr lang="en-US" dirty="0"/>
+              <a:t>	</a:t>
+            </a:r>
+            <a:r>
+              <a:rPr lang="en-US" dirty="0" err="1" smtClean="0"/>
+              <a:t>index.php</a:t>
+            </a:r>
+            <a:endParaRPr lang="ru-RU" dirty="0"/>
+          </a:p>
+        </p:txBody>
+      </p:sp>
+    </p:spTree>
+    <p:extLst>
+      <p:ext uri="{BB962C8B-B14F-4D97-AF65-F5344CB8AC3E}">
+        <p14:creationId xmlns:p14="http://schemas.microsoft.com/office/powerpoint/2010/main" val="1421946521"/>
+      </p:ext>
+    </p:extLst>
+  </p:cSld>
+  <p:clrMapOvr>
+    <a:masterClrMapping/>
+  </p:clrMapOvr>
+  <p:timing>
+    <p:tnLst>
+      <p:par>
+        <p:cTn id="1" dur="indefinite" restart="never" nodeType="tmRoot"/>
+      </p:par>
+    </p:tnLst>
+  </p:timing>
+</p:sld>
+</file>
+
+<file path=ppt/slides/slide5.xml><?xml version="1.0" encoding="utf-8"?>
+<p:sld xmlns:a="http://schemas.openxmlformats.org/drawingml/2006/main" xmlns:r="http://schemas.openxmlformats.org/officeDocument/2006/relationships" xmlns:p="http://schemas.openxmlformats.org/presentationml/2006/main">
+  <p:cSld>
+    <p:spTree>
+      <p:nvGrpSpPr>
+        <p:cNvPr id="1" name=""/>
+        <p:cNvGrpSpPr/>
+        <p:nvPr/>
+      </p:nvGrpSpPr>
+      <p:grpSpPr>
+        <a:xfrm>
+          <a:off x="0" y="0"/>
+          <a:ext cx="0" cy="0"/>
+          <a:chOff x="0" y="0"/>
+          <a:chExt cx="0" cy="0"/>
+        </a:xfrm>
+      </p:grpSpPr>
+      <p:sp>
+        <p:nvSpPr>
+          <p:cNvPr id="2" name="Заголовок 1"/>
+          <p:cNvSpPr>
+            <a:spLocks noGrp="1"/>
+          </p:cNvSpPr>
+          <p:nvPr>
+            <p:ph type="title"/>
+          </p:nvPr>
+        </p:nvSpPr>
+        <p:spPr/>
+        <p:txBody>
+          <a:bodyPr/>
+          <a:lstStyle/>
+          <a:p>
+            <a:r>
               <a:rPr lang="en-US" dirty="0" smtClean="0"/>
               <a:t>Smarty-</a:t>
             </a:r>
@@ -3297,12 +3938,10 @@
         </p:nvSpPr>
         <p:spPr/>
         <p:txBody>
-          <a:bodyPr>
-            <a:normAutofit fontScale="47500" lnSpcReduction="20000"/>
-          </a:bodyPr>
-          <a:lstStyle/>
-          <a:p>
-            <a:pPr marL="571500" indent="-457200" defTabSz="180000">
+          <a:bodyPr/>
+          <a:lstStyle/>
+          <a:p>
+            <a:pPr marL="571500" indent="-457200" defTabSz="360000">
               <a:buFont typeface="+mj-lt"/>
               <a:buAutoNum type="arabicPeriod"/>
             </a:pPr>
@@ -3320,11 +3959,23 @@
             </a:r>
             <a:r>
               <a:rPr lang="en-US" dirty="0"/>
-              <a:t> tree = [</a:t>
-            </a:r>
-          </a:p>
-          <a:p>
-            <a:pPr marL="571500" indent="-457200" defTabSz="180000">
+              <a:t> </a:t>
+            </a:r>
+            <a:r>
+              <a:rPr lang="en-US" b="1" dirty="0">
+                <a:solidFill>
+                  <a:srgbClr val="00B050"/>
+                </a:solidFill>
+              </a:rPr>
+              <a:t>tree</a:t>
+            </a:r>
+            <a:r>
+              <a:rPr lang="en-US" dirty="0"/>
+              <a:t> = [</a:t>
+            </a:r>
+          </a:p>
+          <a:p>
+            <a:pPr marL="571500" indent="-457200" defTabSz="360000">
               <a:buFont typeface="+mj-lt"/>
               <a:buAutoNum type="arabicPeriod"/>
             </a:pPr>
@@ -3334,151 +3985,337 @@
             </a:r>
           </a:p>
           <a:p>
-            <a:pPr marL="571500" indent="-457200" defTabSz="180000">
+            <a:pPr marL="571500" indent="-457200" defTabSz="360000">
               <a:buFont typeface="+mj-lt"/>
               <a:buAutoNum type="arabicPeriod"/>
             </a:pPr>
             <a:r>
               <a:rPr lang="en-US" dirty="0"/>
-              <a:t>			block =&gt; 'header',</a:t>
-            </a:r>
-          </a:p>
-          <a:p>
-            <a:pPr marL="571500" indent="-457200" defTabSz="180000">
+              <a:t>			</a:t>
+            </a:r>
+            <a:r>
+              <a:rPr lang="en-US" dirty="0">
+                <a:solidFill>
+                  <a:srgbClr val="0070C0"/>
+                </a:solidFill>
+              </a:rPr>
+              <a:t>block</a:t>
+            </a:r>
+            <a:r>
+              <a:rPr lang="en-US" dirty="0"/>
+              <a:t> =&gt; 'wrapper',</a:t>
+            </a:r>
+          </a:p>
+          <a:p>
+            <a:pPr marL="571500" indent="-457200" defTabSz="360000">
               <a:buFont typeface="+mj-lt"/>
               <a:buAutoNum type="arabicPeriod"/>
             </a:pPr>
             <a:r>
               <a:rPr lang="en-US" dirty="0"/>
-              <a:t>			tag =&gt; 'header',</a:t>
-            </a:r>
-          </a:p>
-          <a:p>
-            <a:pPr marL="571500" indent="-457200" defTabSz="180000">
+              <a:t>			</a:t>
+            </a:r>
+            <a:r>
+              <a:rPr lang="en-US" dirty="0">
+                <a:solidFill>
+                  <a:srgbClr val="0070C0"/>
+                </a:solidFill>
+              </a:rPr>
+              <a:t>content</a:t>
+            </a:r>
+            <a:r>
+              <a:rPr lang="en-US" dirty="0"/>
+              <a:t> =&gt; [</a:t>
+            </a:r>
+          </a:p>
+          <a:p>
+            <a:pPr marL="571500" indent="-457200" defTabSz="360000">
               <a:buFont typeface="+mj-lt"/>
               <a:buAutoNum type="arabicPeriod"/>
             </a:pPr>
             <a:r>
               <a:rPr lang="en-US" dirty="0"/>
-              <a:t>			</a:t>
-            </a:r>
-            <a:r>
-              <a:rPr lang="en-US" dirty="0" err="1"/>
-              <a:t>cls</a:t>
-            </a:r>
-            <a:r>
-              <a:rPr lang="en-US" dirty="0"/>
-              <a:t> =&gt; 'custom-</a:t>
-            </a:r>
-            <a:r>
-              <a:rPr lang="en-US" dirty="0" err="1"/>
-              <a:t>cls</a:t>
-            </a:r>
-            <a:r>
-              <a:rPr lang="en-US" dirty="0"/>
-              <a:t>',</a:t>
-            </a:r>
-          </a:p>
-          <a:p>
-            <a:pPr marL="571500" indent="-457200" defTabSz="180000">
+              <a:t>				[ </a:t>
+            </a:r>
+            <a:r>
+              <a:rPr lang="en-US" dirty="0">
+                <a:solidFill>
+                  <a:srgbClr val="0070C0"/>
+                </a:solidFill>
+              </a:rPr>
+              <a:t>block</a:t>
+            </a:r>
+            <a:r>
+              <a:rPr lang="en-US" dirty="0"/>
+              <a:t> =&gt; 'header' ],</a:t>
+            </a:r>
+          </a:p>
+          <a:p>
+            <a:pPr marL="571500" indent="-457200" defTabSz="360000">
               <a:buFont typeface="+mj-lt"/>
               <a:buAutoNum type="arabicPeriod"/>
             </a:pPr>
             <a:r>
               <a:rPr lang="en-US" dirty="0"/>
-              <a:t>			mods =&gt; [ big =&gt; true ],</a:t>
-            </a:r>
-          </a:p>
-          <a:p>
-            <a:pPr marL="571500" indent="-457200" defTabSz="180000">
+              <a:t>				[ </a:t>
+            </a:r>
+            <a:r>
+              <a:rPr lang="en-US" dirty="0">
+                <a:solidFill>
+                  <a:srgbClr val="0070C0"/>
+                </a:solidFill>
+              </a:rPr>
+              <a:t>block</a:t>
+            </a:r>
+            <a:r>
+              <a:rPr lang="en-US" dirty="0"/>
+              <a:t> =&gt; '</a:t>
+            </a:r>
+            <a:r>
+              <a:rPr lang="en-US" dirty="0" err="1"/>
+              <a:t>auth</a:t>
+            </a:r>
+            <a:r>
+              <a:rPr lang="en-US" dirty="0"/>
+              <a:t>' ]</a:t>
+            </a:r>
+          </a:p>
+          <a:p>
+            <a:pPr marL="571500" indent="-457200" defTabSz="360000">
               <a:buFont typeface="+mj-lt"/>
               <a:buAutoNum type="arabicPeriod"/>
             </a:pPr>
             <a:r>
               <a:rPr lang="en-US" dirty="0"/>
-              <a:t>			content =&gt; [</a:t>
-            </a:r>
-          </a:p>
-          <a:p>
-            <a:pPr marL="571500" indent="-457200" defTabSz="180000">
+              <a:t>			]</a:t>
+            </a:r>
+          </a:p>
+          <a:p>
+            <a:pPr marL="571500" indent="-457200" defTabSz="360000">
               <a:buFont typeface="+mj-lt"/>
               <a:buAutoNum type="arabicPeriod"/>
             </a:pPr>
             <a:r>
               <a:rPr lang="en-US" dirty="0"/>
-              <a:t>				</a:t>
-            </a:r>
-            <a:r>
-              <a:rPr lang="en-US" dirty="0" err="1"/>
-              <a:t>elem</a:t>
-            </a:r>
-            <a:r>
-              <a:rPr lang="en-US" dirty="0"/>
-              <a:t> =&gt; 'logo',</a:t>
-            </a:r>
-          </a:p>
-          <a:p>
-            <a:pPr marL="571500" indent="-457200" defTabSz="180000">
+              <a:t>		],</a:t>
+            </a:r>
+          </a:p>
+          <a:p>
+            <a:pPr marL="571500" indent="-457200" defTabSz="360000">
               <a:buFont typeface="+mj-lt"/>
               <a:buAutoNum type="arabicPeriod"/>
             </a:pPr>
             <a:r>
               <a:rPr lang="en-US" dirty="0"/>
-              <a:t>				mods =&gt; [ size =&gt; 'xl' ],</a:t>
-            </a:r>
-          </a:p>
-          <a:p>
-            <a:pPr marL="571500" indent="-457200" defTabSz="180000">
+              <a:t>		[ </a:t>
+            </a:r>
+            <a:r>
+              <a:rPr lang="en-US" dirty="0">
+                <a:solidFill>
+                  <a:srgbClr val="0070C0"/>
+                </a:solidFill>
+              </a:rPr>
+              <a:t>block</a:t>
+            </a:r>
+            <a:r>
+              <a:rPr lang="en-US" dirty="0"/>
+              <a:t> =&gt; 'footer' ]</a:t>
+            </a:r>
+          </a:p>
+          <a:p>
+            <a:pPr marL="571500" indent="-457200" defTabSz="360000">
               <a:buFont typeface="+mj-lt"/>
               <a:buAutoNum type="arabicPeriod"/>
             </a:pPr>
             <a:r>
               <a:rPr lang="en-US" dirty="0"/>
-              <a:t>				content =&gt; [</a:t>
-            </a:r>
-          </a:p>
-          <a:p>
-            <a:pPr marL="571500" indent="-457200" defTabSz="180000">
+              <a:t>	]}</a:t>
+            </a:r>
+            <a:endParaRPr lang="ru-RU" dirty="0"/>
+          </a:p>
+        </p:txBody>
+      </p:sp>
+    </p:spTree>
+    <p:extLst>
+      <p:ext uri="{BB962C8B-B14F-4D97-AF65-F5344CB8AC3E}">
+        <p14:creationId xmlns:p14="http://schemas.microsoft.com/office/powerpoint/2010/main" val="3845469328"/>
+      </p:ext>
+    </p:extLst>
+  </p:cSld>
+  <p:clrMapOvr>
+    <a:masterClrMapping/>
+  </p:clrMapOvr>
+  <p:timing>
+    <p:tnLst>
+      <p:par>
+        <p:cTn id="1" dur="indefinite" restart="never" nodeType="tmRoot"/>
+      </p:par>
+    </p:tnLst>
+  </p:timing>
+</p:sld>
+</file>
+
+<file path=ppt/slides/slide6.xml><?xml version="1.0" encoding="utf-8"?>
+<p:sld xmlns:a="http://schemas.openxmlformats.org/drawingml/2006/main" xmlns:r="http://schemas.openxmlformats.org/officeDocument/2006/relationships" xmlns:p="http://schemas.openxmlformats.org/presentationml/2006/main">
+  <p:cSld>
+    <p:spTree>
+      <p:nvGrpSpPr>
+        <p:cNvPr id="1" name=""/>
+        <p:cNvGrpSpPr/>
+        <p:nvPr/>
+      </p:nvGrpSpPr>
+      <p:grpSpPr>
+        <a:xfrm>
+          <a:off x="0" y="0"/>
+          <a:ext cx="0" cy="0"/>
+          <a:chOff x="0" y="0"/>
+          <a:chExt cx="0" cy="0"/>
+        </a:xfrm>
+      </p:grpSpPr>
+      <p:sp>
+        <p:nvSpPr>
+          <p:cNvPr id="2" name="Заголовок 1"/>
+          <p:cNvSpPr>
+            <a:spLocks noGrp="1"/>
+          </p:cNvSpPr>
+          <p:nvPr>
+            <p:ph type="title"/>
+          </p:nvPr>
+        </p:nvSpPr>
+        <p:spPr/>
+        <p:txBody>
+          <a:bodyPr/>
+          <a:lstStyle/>
+          <a:p>
+            <a:r>
+              <a:rPr lang="en-US" dirty="0"/>
+              <a:t>Smarty-</a:t>
+            </a:r>
+            <a:r>
+              <a:rPr lang="ru-RU" dirty="0"/>
+              <a:t>дерево</a:t>
+            </a:r>
+          </a:p>
+        </p:txBody>
+      </p:sp>
+      <p:sp>
+        <p:nvSpPr>
+          <p:cNvPr id="3" name="Объект 2"/>
+          <p:cNvSpPr>
+            <a:spLocks noGrp="1"/>
+          </p:cNvSpPr>
+          <p:nvPr>
+            <p:ph idx="1"/>
+          </p:nvPr>
+        </p:nvSpPr>
+        <p:spPr/>
+        <p:txBody>
+          <a:bodyPr>
+            <a:normAutofit fontScale="40000" lnSpcReduction="20000"/>
+          </a:bodyPr>
+          <a:lstStyle/>
+          <a:p>
+            <a:pPr marL="571500" indent="-457200" defTabSz="360000">
               <a:buFont typeface="+mj-lt"/>
               <a:buAutoNum type="arabicPeriod"/>
             </a:pPr>
             <a:r>
               <a:rPr lang="en-US" dirty="0"/>
-              <a:t>					block =&gt; 'link',</a:t>
-            </a:r>
-          </a:p>
-          <a:p>
-            <a:pPr marL="571500" indent="-457200" defTabSz="180000">
+              <a:t>{$</a:t>
+            </a:r>
+            <a:r>
+              <a:rPr lang="en-US" dirty="0" err="1"/>
+              <a:t>ctx</a:t>
+            </a:r>
+            <a:r>
+              <a:rPr lang="en-US" dirty="0"/>
+              <a:t>['</a:t>
+            </a:r>
+            <a:r>
+              <a:rPr lang="en-US" dirty="0">
+                <a:solidFill>
+                  <a:srgbClr val="0070C0"/>
+                </a:solidFill>
+              </a:rPr>
+              <a:t>tag</a:t>
+            </a:r>
+            <a:r>
+              <a:rPr lang="en-US" dirty="0"/>
+              <a:t>'] = 'form'}</a:t>
+            </a:r>
+          </a:p>
+          <a:p>
+            <a:pPr marL="571500" indent="-457200" defTabSz="360000">
               <a:buFont typeface="+mj-lt"/>
               <a:buAutoNum type="arabicPeriod"/>
             </a:pPr>
             <a:r>
               <a:rPr lang="en-US" dirty="0"/>
-              <a:t>					content =&gt; 'Logo link'</a:t>
-            </a:r>
-          </a:p>
-          <a:p>
-            <a:pPr marL="571500" indent="-457200" defTabSz="180000">
+              <a:t>{$</a:t>
+            </a:r>
+            <a:r>
+              <a:rPr lang="en-US" dirty="0" err="1"/>
+              <a:t>ctx</a:t>
+            </a:r>
+            <a:r>
+              <a:rPr lang="en-US" dirty="0"/>
+              <a:t>['</a:t>
+            </a:r>
+            <a:r>
+              <a:rPr lang="en-US" dirty="0">
+                <a:solidFill>
+                  <a:srgbClr val="0070C0"/>
+                </a:solidFill>
+              </a:rPr>
+              <a:t>content</a:t>
+            </a:r>
+            <a:r>
+              <a:rPr lang="en-US" dirty="0"/>
+              <a:t>'] = [</a:t>
+            </a:r>
+          </a:p>
+          <a:p>
+            <a:pPr marL="571500" indent="-457200" defTabSz="360000">
               <a:buFont typeface="+mj-lt"/>
               <a:buAutoNum type="arabicPeriod"/>
             </a:pPr>
             <a:r>
               <a:rPr lang="en-US" dirty="0"/>
-              <a:t>				]</a:t>
-            </a:r>
-          </a:p>
-          <a:p>
-            <a:pPr marL="571500" indent="-457200" defTabSz="180000">
+              <a:t>	[</a:t>
+            </a:r>
+          </a:p>
+          <a:p>
+            <a:pPr marL="571500" indent="-457200" defTabSz="360000">
               <a:buFont typeface="+mj-lt"/>
               <a:buAutoNum type="arabicPeriod"/>
             </a:pPr>
             <a:r>
               <a:rPr lang="en-US" dirty="0"/>
-              <a:t>			]</a:t>
-            </a:r>
-          </a:p>
-          <a:p>
-            <a:pPr marL="571500" indent="-457200" defTabSz="180000">
+              <a:t>		</a:t>
+            </a:r>
+            <a:r>
+              <a:rPr lang="en-US" dirty="0" err="1">
+                <a:solidFill>
+                  <a:srgbClr val="0070C0"/>
+                </a:solidFill>
+              </a:rPr>
+              <a:t>elem</a:t>
+            </a:r>
+            <a:r>
+              <a:rPr lang="en-US" dirty="0">
+                <a:solidFill>
+                  <a:srgbClr val="0070C0"/>
+                </a:solidFill>
+              </a:rPr>
+              <a:t> </a:t>
+            </a:r>
+            <a:r>
+              <a:rPr lang="en-US" dirty="0"/>
+              <a:t>=&gt; 'title',</a:t>
+            </a:r>
+          </a:p>
+          <a:p>
+            <a:pPr marL="571500" indent="-457200" defTabSz="360000">
               <a:buFont typeface="+mj-lt"/>
               <a:buAutoNum type="arabicPeriod"/>
             </a:pPr>
@@ -3487,129 +4324,459 @@
               <a:t>		</a:t>
             </a:r>
             <a:r>
-              <a:rPr lang="en-US" dirty="0" smtClean="0"/>
-              <a:t>],</a:t>
-            </a:r>
-            <a:endParaRPr lang="en-US" dirty="0"/>
-          </a:p>
-          <a:p>
-            <a:pPr marL="571500" indent="-457200" defTabSz="180000">
+              <a:rPr lang="en-US" dirty="0">
+                <a:solidFill>
+                  <a:srgbClr val="0070C0"/>
+                </a:solidFill>
+              </a:rPr>
+              <a:t>tag</a:t>
+            </a:r>
+            <a:r>
+              <a:rPr lang="en-US" dirty="0"/>
+              <a:t> =&gt; 'h1',</a:t>
+            </a:r>
+          </a:p>
+          <a:p>
+            <a:pPr marL="571500" indent="-457200" defTabSz="360000">
               <a:buFont typeface="+mj-lt"/>
               <a:buAutoNum type="arabicPeriod"/>
             </a:pPr>
             <a:r>
               <a:rPr lang="en-US" dirty="0"/>
-              <a:t>		'Text without tag</a:t>
-            </a:r>
-            <a:r>
-              <a:rPr lang="en-US" dirty="0" smtClean="0"/>
-              <a:t>',</a:t>
-            </a:r>
-            <a:endParaRPr lang="en-US" dirty="0"/>
-          </a:p>
-          <a:p>
-            <a:pPr marL="571500" indent="-457200" defTabSz="180000">
+              <a:t>		</a:t>
+            </a:r>
+            <a:r>
+              <a:rPr lang="en-US" dirty="0">
+                <a:solidFill>
+                  <a:srgbClr val="0070C0"/>
+                </a:solidFill>
+              </a:rPr>
+              <a:t>content</a:t>
+            </a:r>
+            <a:r>
+              <a:rPr lang="en-US" dirty="0"/>
+              <a:t> =&gt; '</a:t>
+            </a:r>
+            <a:r>
+              <a:rPr lang="ru-RU" dirty="0"/>
+              <a:t>Регистрация'</a:t>
+            </a:r>
+          </a:p>
+          <a:p>
+            <a:pPr marL="571500" indent="-457200" defTabSz="360000">
               <a:buFont typeface="+mj-lt"/>
               <a:buAutoNum type="arabicPeriod"/>
             </a:pPr>
             <a:r>
-              <a:rPr lang="en-US" dirty="0"/>
-              <a:t>		[</a:t>
-            </a:r>
-          </a:p>
-          <a:p>
-            <a:pPr marL="571500" indent="-457200" defTabSz="180000">
+              <a:rPr lang="ru-RU" dirty="0"/>
+              <a:t>	],</a:t>
+            </a:r>
+          </a:p>
+          <a:p>
+            <a:pPr marL="571500" indent="-457200" defTabSz="360000">
               <a:buFont typeface="+mj-lt"/>
               <a:buAutoNum type="arabicPeriod"/>
             </a:pPr>
             <a:r>
-              <a:rPr lang="en-US" dirty="0"/>
-              <a:t>			block =&gt; 'footer',</a:t>
-            </a:r>
-          </a:p>
-          <a:p>
-            <a:pPr marL="571500" indent="-457200" defTabSz="180000">
+              <a:rPr lang="ru-RU" dirty="0"/>
+              <a:t>	[</a:t>
+            </a:r>
+          </a:p>
+          <a:p>
+            <a:pPr marL="571500" indent="-457200" defTabSz="360000">
               <a:buFont typeface="+mj-lt"/>
               <a:buAutoNum type="arabicPeriod"/>
             </a:pPr>
             <a:r>
-              <a:rPr lang="en-US" dirty="0"/>
-              <a:t>			tag =&gt; 'footer',</a:t>
-            </a:r>
-          </a:p>
-          <a:p>
-            <a:pPr marL="571500" indent="-457200" defTabSz="180000">
+              <a:rPr lang="ru-RU" dirty="0"/>
+              <a:t>		</a:t>
+            </a:r>
+            <a:r>
+              <a:rPr lang="en-US" dirty="0">
+                <a:solidFill>
+                  <a:srgbClr val="0070C0"/>
+                </a:solidFill>
+              </a:rPr>
+              <a:t>block</a:t>
+            </a:r>
+            <a:r>
+              <a:rPr lang="en-US" dirty="0"/>
+              <a:t> =&gt; 'input',</a:t>
+            </a:r>
+          </a:p>
+          <a:p>
+            <a:pPr marL="571500" indent="-457200" defTabSz="360000">
               <a:buFont typeface="+mj-lt"/>
               <a:buAutoNum type="arabicPeriod"/>
             </a:pPr>
             <a:r>
               <a:rPr lang="en-US" dirty="0"/>
-              <a:t>			content =&gt; 'Footer'</a:t>
-            </a:r>
-          </a:p>
-          <a:p>
-            <a:pPr marL="571500" indent="-457200" defTabSz="180000">
+              <a:t>		</a:t>
+            </a:r>
+            <a:r>
+              <a:rPr lang="en-US" dirty="0" err="1">
+                <a:solidFill>
+                  <a:srgbClr val="0070C0"/>
+                </a:solidFill>
+              </a:rPr>
+              <a:t>attrs</a:t>
+            </a:r>
+            <a:r>
+              <a:rPr lang="en-US" dirty="0">
+                <a:solidFill>
+                  <a:srgbClr val="0070C0"/>
+                </a:solidFill>
+              </a:rPr>
+              <a:t> </a:t>
+            </a:r>
+            <a:r>
+              <a:rPr lang="en-US" dirty="0"/>
+              <a:t>=&gt; [</a:t>
+            </a:r>
+          </a:p>
+          <a:p>
+            <a:pPr marL="571500" indent="-457200" defTabSz="360000">
               <a:buFont typeface="+mj-lt"/>
               <a:buAutoNum type="arabicPeriod"/>
             </a:pPr>
             <a:r>
               <a:rPr lang="en-US" dirty="0"/>
-              <a:t>		</a:t>
-            </a:r>
-            <a:r>
-              <a:rPr lang="en-US" dirty="0" smtClean="0"/>
-              <a:t>],</a:t>
-            </a:r>
-            <a:endParaRPr lang="en-US" dirty="0"/>
-          </a:p>
-          <a:p>
-            <a:pPr marL="571500" indent="-457200" defTabSz="180000">
+              <a:t>			type =&gt; 'email',</a:t>
+            </a:r>
+          </a:p>
+          <a:p>
+            <a:pPr marL="571500" indent="-457200" defTabSz="360000">
               <a:buFont typeface="+mj-lt"/>
               <a:buAutoNum type="arabicPeriod"/>
             </a:pPr>
             <a:r>
               <a:rPr lang="en-US" dirty="0"/>
-              <a:t>		[</a:t>
-            </a:r>
-          </a:p>
-          <a:p>
-            <a:pPr marL="571500" indent="-457200" defTabSz="180000">
+              <a:t>			placeholder =&gt; 'E-mail'</a:t>
+            </a:r>
+          </a:p>
+          <a:p>
+            <a:pPr marL="571500" indent="-457200" defTabSz="360000">
               <a:buFont typeface="+mj-lt"/>
               <a:buAutoNum type="arabicPeriod"/>
             </a:pPr>
             <a:r>
               <a:rPr lang="en-US" dirty="0"/>
-              <a:t>			tag =&gt; 'span',</a:t>
-            </a:r>
-          </a:p>
-          <a:p>
-            <a:pPr marL="571500" indent="-457200" defTabSz="180000">
+              <a:t>		]</a:t>
+            </a:r>
+          </a:p>
+          <a:p>
+            <a:pPr marL="571500" indent="-457200" defTabSz="360000">
               <a:buFont typeface="+mj-lt"/>
               <a:buAutoNum type="arabicPeriod"/>
             </a:pPr>
             <a:r>
               <a:rPr lang="en-US" dirty="0"/>
-              <a:t>			content =&gt; 'Span'</a:t>
-            </a:r>
-          </a:p>
-          <a:p>
-            <a:pPr marL="571500" indent="-457200" defTabSz="180000">
+              <a:t>	],</a:t>
+            </a:r>
+          </a:p>
+          <a:p>
+            <a:pPr marL="571500" indent="-457200" defTabSz="360000">
               <a:buFont typeface="+mj-lt"/>
               <a:buAutoNum type="arabicPeriod"/>
             </a:pPr>
             <a:r>
               <a:rPr lang="en-US" dirty="0"/>
-              <a:t>		]</a:t>
-            </a:r>
-          </a:p>
-          <a:p>
-            <a:pPr marL="571500" indent="-457200" defTabSz="180000">
+              <a:t>	[</a:t>
+            </a:r>
+          </a:p>
+          <a:p>
+            <a:pPr marL="571500" indent="-457200" defTabSz="360000">
               <a:buFont typeface="+mj-lt"/>
               <a:buAutoNum type="arabicPeriod"/>
             </a:pPr>
             <a:r>
               <a:rPr lang="en-US" dirty="0"/>
-              <a:t>	]}</a:t>
+              <a:t>		</a:t>
+            </a:r>
+            <a:r>
+              <a:rPr lang="en-US" dirty="0">
+                <a:solidFill>
+                  <a:srgbClr val="0070C0"/>
+                </a:solidFill>
+              </a:rPr>
+              <a:t>block</a:t>
+            </a:r>
+            <a:r>
+              <a:rPr lang="en-US" dirty="0"/>
+              <a:t> =&gt; 'input',</a:t>
+            </a:r>
+          </a:p>
+          <a:p>
+            <a:pPr marL="571500" indent="-457200" defTabSz="360000">
+              <a:buFont typeface="+mj-lt"/>
+              <a:buAutoNum type="arabicPeriod"/>
+            </a:pPr>
+            <a:r>
+              <a:rPr lang="en-US" dirty="0"/>
+              <a:t>		</a:t>
+            </a:r>
+            <a:r>
+              <a:rPr lang="en-US" dirty="0" err="1">
+                <a:solidFill>
+                  <a:srgbClr val="0070C0"/>
+                </a:solidFill>
+              </a:rPr>
+              <a:t>attrs</a:t>
+            </a:r>
+            <a:r>
+              <a:rPr lang="en-US" dirty="0">
+                <a:solidFill>
+                  <a:srgbClr val="0070C0"/>
+                </a:solidFill>
+              </a:rPr>
+              <a:t> </a:t>
+            </a:r>
+            <a:r>
+              <a:rPr lang="en-US" dirty="0"/>
+              <a:t>=&gt; [</a:t>
+            </a:r>
+          </a:p>
+          <a:p>
+            <a:pPr marL="571500" indent="-457200" defTabSz="360000">
+              <a:buFont typeface="+mj-lt"/>
+              <a:buAutoNum type="arabicPeriod"/>
+            </a:pPr>
+            <a:r>
+              <a:rPr lang="en-US" dirty="0"/>
+              <a:t>			type =&gt; 'password',</a:t>
+            </a:r>
+          </a:p>
+          <a:p>
+            <a:pPr marL="571500" indent="-457200" defTabSz="360000">
+              <a:buFont typeface="+mj-lt"/>
+              <a:buAutoNum type="arabicPeriod"/>
+            </a:pPr>
+            <a:r>
+              <a:rPr lang="en-US" dirty="0"/>
+              <a:t>			placeholder =&gt; '</a:t>
+            </a:r>
+            <a:r>
+              <a:rPr lang="ru-RU" dirty="0"/>
+              <a:t>Пароль'</a:t>
+            </a:r>
+          </a:p>
+          <a:p>
+            <a:pPr marL="571500" indent="-457200" defTabSz="360000">
+              <a:buFont typeface="+mj-lt"/>
+              <a:buAutoNum type="arabicPeriod"/>
+            </a:pPr>
+            <a:r>
+              <a:rPr lang="ru-RU" dirty="0"/>
+              <a:t>		]</a:t>
+            </a:r>
+          </a:p>
+          <a:p>
+            <a:pPr marL="571500" indent="-457200" defTabSz="360000">
+              <a:buFont typeface="+mj-lt"/>
+              <a:buAutoNum type="arabicPeriod"/>
+            </a:pPr>
+            <a:r>
+              <a:rPr lang="ru-RU" dirty="0"/>
+              <a:t>	],</a:t>
+            </a:r>
+          </a:p>
+          <a:p>
+            <a:pPr marL="571500" indent="-457200" defTabSz="360000">
+              <a:buFont typeface="+mj-lt"/>
+              <a:buAutoNum type="arabicPeriod"/>
+            </a:pPr>
+            <a:r>
+              <a:rPr lang="ru-RU" dirty="0"/>
+              <a:t>	[</a:t>
+            </a:r>
+          </a:p>
+          <a:p>
+            <a:pPr marL="571500" indent="-457200" defTabSz="360000">
+              <a:buFont typeface="+mj-lt"/>
+              <a:buAutoNum type="arabicPeriod"/>
+            </a:pPr>
+            <a:r>
+              <a:rPr lang="ru-RU" dirty="0"/>
+              <a:t>		</a:t>
+            </a:r>
+            <a:r>
+              <a:rPr lang="en-US" dirty="0">
+                <a:solidFill>
+                  <a:srgbClr val="0070C0"/>
+                </a:solidFill>
+              </a:rPr>
+              <a:t>block</a:t>
+            </a:r>
+            <a:r>
+              <a:rPr lang="en-US" dirty="0"/>
+              <a:t> =&gt; 'button',</a:t>
+            </a:r>
+          </a:p>
+          <a:p>
+            <a:pPr marL="571500" indent="-457200" defTabSz="360000">
+              <a:buFont typeface="+mj-lt"/>
+              <a:buAutoNum type="arabicPeriod"/>
+            </a:pPr>
+            <a:r>
+              <a:rPr lang="en-US" dirty="0"/>
+              <a:t>		</a:t>
+            </a:r>
+            <a:r>
+              <a:rPr lang="en-US" dirty="0">
+                <a:solidFill>
+                  <a:srgbClr val="0070C0"/>
+                </a:solidFill>
+              </a:rPr>
+              <a:t>mods</a:t>
+            </a:r>
+            <a:r>
+              <a:rPr lang="en-US" dirty="0"/>
+              <a:t> =&gt; [ theme =&gt; 'green' ],</a:t>
+            </a:r>
+          </a:p>
+          <a:p>
+            <a:pPr marL="571500" indent="-457200" defTabSz="360000">
+              <a:buFont typeface="+mj-lt"/>
+              <a:buAutoNum type="arabicPeriod"/>
+            </a:pPr>
+            <a:r>
+              <a:rPr lang="en-US" dirty="0"/>
+              <a:t>		</a:t>
+            </a:r>
+            <a:r>
+              <a:rPr lang="en-US" dirty="0" err="1">
+                <a:solidFill>
+                  <a:srgbClr val="0070C0"/>
+                </a:solidFill>
+              </a:rPr>
+              <a:t>attrs</a:t>
+            </a:r>
+            <a:r>
+              <a:rPr lang="en-US" dirty="0">
+                <a:solidFill>
+                  <a:srgbClr val="0070C0"/>
+                </a:solidFill>
+              </a:rPr>
+              <a:t> </a:t>
+            </a:r>
+            <a:r>
+              <a:rPr lang="en-US" dirty="0"/>
+              <a:t>=&gt; [</a:t>
+            </a:r>
+          </a:p>
+          <a:p>
+            <a:pPr marL="571500" indent="-457200" defTabSz="360000">
+              <a:buFont typeface="+mj-lt"/>
+              <a:buAutoNum type="arabicPeriod"/>
+            </a:pPr>
+            <a:r>
+              <a:rPr lang="en-US" dirty="0"/>
+              <a:t>			type =&gt; 'submit'</a:t>
+            </a:r>
+          </a:p>
+          <a:p>
+            <a:pPr marL="571500" indent="-457200" defTabSz="360000">
+              <a:buFont typeface="+mj-lt"/>
+              <a:buAutoNum type="arabicPeriod"/>
+            </a:pPr>
+            <a:r>
+              <a:rPr lang="en-US" dirty="0"/>
+              <a:t>		],</a:t>
+            </a:r>
+          </a:p>
+          <a:p>
+            <a:pPr marL="571500" indent="-457200" defTabSz="360000">
+              <a:buFont typeface="+mj-lt"/>
+              <a:buAutoNum type="arabicPeriod"/>
+            </a:pPr>
+            <a:r>
+              <a:rPr lang="en-US" dirty="0"/>
+              <a:t>		</a:t>
+            </a:r>
+            <a:r>
+              <a:rPr lang="en-US" dirty="0">
+                <a:solidFill>
+                  <a:srgbClr val="0070C0"/>
+                </a:solidFill>
+              </a:rPr>
+              <a:t>content</a:t>
+            </a:r>
+            <a:r>
+              <a:rPr lang="en-US" dirty="0"/>
+              <a:t> =&gt; '</a:t>
+            </a:r>
+            <a:r>
+              <a:rPr lang="ru-RU" dirty="0"/>
+              <a:t>Отправить'</a:t>
+            </a:r>
+          </a:p>
+          <a:p>
+            <a:pPr marL="571500" indent="-457200" defTabSz="360000">
+              <a:buFont typeface="+mj-lt"/>
+              <a:buAutoNum type="arabicPeriod"/>
+            </a:pPr>
+            <a:r>
+              <a:rPr lang="ru-RU" dirty="0"/>
+              <a:t>	]</a:t>
+            </a:r>
+          </a:p>
+          <a:p>
+            <a:pPr marL="571500" indent="-457200" defTabSz="360000">
+              <a:buFont typeface="+mj-lt"/>
+              <a:buAutoNum type="arabicPeriod"/>
+            </a:pPr>
+            <a:r>
+              <a:rPr lang="ru-RU" dirty="0"/>
+              <a:t>]}</a:t>
+            </a:r>
+          </a:p>
+          <a:p>
+            <a:pPr marL="571500" indent="-457200" defTabSz="360000">
+              <a:buFont typeface="+mj-lt"/>
+              <a:buAutoNum type="arabicPeriod"/>
+            </a:pPr>
+            <a:endParaRPr lang="ru-RU" dirty="0"/>
+          </a:p>
+          <a:p>
+            <a:pPr marL="571500" indent="-457200" defTabSz="360000">
+              <a:buFont typeface="+mj-lt"/>
+              <a:buAutoNum type="arabicPeriod"/>
+            </a:pPr>
+            <a:r>
+              <a:rPr lang="ru-RU" dirty="0"/>
+              <a:t>{</a:t>
+            </a:r>
+            <a:r>
+              <a:rPr lang="en-US" b="1" dirty="0">
+                <a:solidFill>
+                  <a:srgbClr val="FF0000"/>
+                </a:solidFill>
+              </a:rPr>
+              <a:t>compile</a:t>
+            </a:r>
+            <a:r>
+              <a:rPr lang="en-US" dirty="0"/>
+              <a:t> </a:t>
+            </a:r>
+            <a:r>
+              <a:rPr lang="en-US" b="1" dirty="0">
+                <a:solidFill>
+                  <a:srgbClr val="00B050"/>
+                </a:solidFill>
+              </a:rPr>
+              <a:t>tree</a:t>
+            </a:r>
+            <a:r>
+              <a:rPr lang="en-US" dirty="0"/>
+              <a:t> = $</a:t>
+            </a:r>
+            <a:r>
+              <a:rPr lang="en-US" dirty="0" err="1"/>
+              <a:t>ctx</a:t>
+            </a:r>
+            <a:r>
+              <a:rPr lang="en-US" dirty="0"/>
+              <a:t>}</a:t>
             </a:r>
             <a:endParaRPr lang="ru-RU" dirty="0"/>
           </a:p>
@@ -3618,7 +4785,210 @@
     </p:spTree>
     <p:extLst>
       <p:ext uri="{BB962C8B-B14F-4D97-AF65-F5344CB8AC3E}">
-        <p14:creationId xmlns:p14="http://schemas.microsoft.com/office/powerpoint/2010/main" val="1917969486"/>
+        <p14:creationId xmlns:p14="http://schemas.microsoft.com/office/powerpoint/2010/main" val="2493587511"/>
+      </p:ext>
+    </p:extLst>
+  </p:cSld>
+  <p:clrMapOvr>
+    <a:masterClrMapping/>
+  </p:clrMapOvr>
+  <p:timing>
+    <p:tnLst>
+      <p:par>
+        <p:cTn id="1" dur="indefinite" restart="never" nodeType="tmRoot"/>
+      </p:par>
+    </p:tnLst>
+  </p:timing>
+</p:sld>
+</file>
+
+<file path=ppt/slides/slide7.xml><?xml version="1.0" encoding="utf-8"?>
+<p:sld xmlns:a="http://schemas.openxmlformats.org/drawingml/2006/main" xmlns:r="http://schemas.openxmlformats.org/officeDocument/2006/relationships" xmlns:p="http://schemas.openxmlformats.org/presentationml/2006/main">
+  <p:cSld>
+    <p:spTree>
+      <p:nvGrpSpPr>
+        <p:cNvPr id="1" name=""/>
+        <p:cNvGrpSpPr/>
+        <p:nvPr/>
+      </p:nvGrpSpPr>
+      <p:grpSpPr>
+        <a:xfrm>
+          <a:off x="0" y="0"/>
+          <a:ext cx="0" cy="0"/>
+          <a:chOff x="0" y="0"/>
+          <a:chExt cx="0" cy="0"/>
+        </a:xfrm>
+      </p:grpSpPr>
+      <p:sp>
+        <p:nvSpPr>
+          <p:cNvPr id="2" name="Заголовок 1"/>
+          <p:cNvSpPr>
+            <a:spLocks noGrp="1"/>
+          </p:cNvSpPr>
+          <p:nvPr>
+            <p:ph type="title"/>
+          </p:nvPr>
+        </p:nvSpPr>
+        <p:spPr/>
+        <p:txBody>
+          <a:bodyPr/>
+          <a:lstStyle/>
+          <a:p>
+            <a:r>
+              <a:rPr lang="ru-RU" dirty="0" smtClean="0"/>
+              <a:t>Зависимости (</a:t>
+            </a:r>
+            <a:r>
+              <a:rPr lang="en-US" dirty="0" smtClean="0"/>
+              <a:t>*.deps.js</a:t>
+            </a:r>
+            <a:r>
+              <a:rPr lang="ru-RU" dirty="0" smtClean="0"/>
+              <a:t>)</a:t>
+            </a:r>
+            <a:endParaRPr lang="ru-RU" dirty="0"/>
+          </a:p>
+        </p:txBody>
+      </p:sp>
+      <p:sp>
+        <p:nvSpPr>
+          <p:cNvPr id="3" name="Объект 2"/>
+          <p:cNvSpPr>
+            <a:spLocks noGrp="1"/>
+          </p:cNvSpPr>
+          <p:nvPr>
+            <p:ph idx="1"/>
+          </p:nvPr>
+        </p:nvSpPr>
+        <p:spPr/>
+        <p:txBody>
+          <a:bodyPr/>
+          <a:lstStyle/>
+          <a:p>
+            <a:r>
+              <a:rPr lang="en-US" b="1" dirty="0" err="1" smtClean="0"/>
+              <a:t>index.deps.json</a:t>
+            </a:r>
+            <a:endParaRPr lang="en-US" b="1" dirty="0" smtClean="0"/>
+          </a:p>
+          <a:p>
+            <a:pPr lvl="1"/>
+            <a:r>
+              <a:rPr lang="en-US" dirty="0"/>
+              <a:t>[</a:t>
+            </a:r>
+          </a:p>
+          <a:p>
+            <a:pPr lvl="1"/>
+            <a:r>
+              <a:rPr lang="en-US" dirty="0"/>
+              <a:t>	{ "block": "page" },</a:t>
+            </a:r>
+          </a:p>
+          <a:p>
+            <a:pPr lvl="1"/>
+            <a:r>
+              <a:rPr lang="en-US" dirty="0"/>
+              <a:t>	{ "block": "header" },</a:t>
+            </a:r>
+          </a:p>
+          <a:p>
+            <a:pPr lvl="1"/>
+            <a:r>
+              <a:rPr lang="en-US" dirty="0"/>
+              <a:t>	{ "block": "</a:t>
+            </a:r>
+            <a:r>
+              <a:rPr lang="en-US" dirty="0" err="1"/>
+              <a:t>auth</a:t>
+            </a:r>
+            <a:r>
+              <a:rPr lang="en-US" dirty="0"/>
+              <a:t>" },</a:t>
+            </a:r>
+          </a:p>
+          <a:p>
+            <a:pPr lvl="1"/>
+            <a:r>
+              <a:rPr lang="en-US" dirty="0"/>
+              <a:t>	{ "block": "footer" }</a:t>
+            </a:r>
+          </a:p>
+          <a:p>
+            <a:pPr lvl="1"/>
+            <a:r>
+              <a:rPr lang="en-US" dirty="0"/>
+              <a:t>]</a:t>
+            </a:r>
+            <a:endParaRPr lang="en-US" dirty="0" smtClean="0"/>
+          </a:p>
+          <a:p>
+            <a:pPr marL="342900" lvl="1">
+              <a:buClr>
+                <a:schemeClr val="accent1"/>
+              </a:buClr>
+            </a:pPr>
+            <a:r>
+              <a:rPr lang="en-US" b="1" dirty="0" err="1" smtClean="0"/>
+              <a:t>header.deps.json</a:t>
+            </a:r>
+            <a:endParaRPr lang="en-US" b="1" dirty="0" smtClean="0"/>
+          </a:p>
+          <a:p>
+            <a:pPr marL="708660" lvl="2">
+              <a:buClr>
+                <a:schemeClr val="accent1"/>
+              </a:buClr>
+            </a:pPr>
+            <a:r>
+              <a:rPr lang="en-US" dirty="0"/>
+              <a:t>{</a:t>
+            </a:r>
+          </a:p>
+          <a:p>
+            <a:pPr marL="708660" lvl="2">
+              <a:buClr>
+                <a:schemeClr val="accent1"/>
+              </a:buClr>
+            </a:pPr>
+            <a:r>
+              <a:rPr lang="en-US" dirty="0"/>
+              <a:t>	"</a:t>
+            </a:r>
+            <a:r>
+              <a:rPr lang="en-US" dirty="0" err="1"/>
+              <a:t>elems</a:t>
+            </a:r>
+            <a:r>
+              <a:rPr lang="en-US" dirty="0"/>
+              <a:t>": ["logo", "</a:t>
+            </a:r>
+            <a:r>
+              <a:rPr lang="en-US" dirty="0" err="1"/>
+              <a:t>nav</a:t>
+            </a:r>
+            <a:r>
+              <a:rPr lang="en-US" dirty="0"/>
+              <a:t>", "search"]</a:t>
+            </a:r>
+          </a:p>
+          <a:p>
+            <a:pPr marL="708660" lvl="2">
+              <a:buClr>
+                <a:schemeClr val="accent1"/>
+              </a:buClr>
+            </a:pPr>
+            <a:r>
+              <a:rPr lang="en-US" dirty="0"/>
+              <a:t>}</a:t>
+            </a:r>
+          </a:p>
+        </p:txBody>
+      </p:sp>
+    </p:spTree>
+    <p:extLst>
+      <p:ext uri="{BB962C8B-B14F-4D97-AF65-F5344CB8AC3E}">
+        <p14:creationId xmlns:p14="http://schemas.microsoft.com/office/powerpoint/2010/main" val="1345534755"/>
       </p:ext>
     </p:extLst>
   </p:cSld>
